--- a/Presentations/NOBUGS 2012/Posters/continuous_build_test_and_deployment_Poster.pptx
+++ b/Presentations/NOBUGS 2012/Posters/continuous_build_test_and_deployment_Poster.pptx
@@ -7,6 +7,9 @@
   <p:notesMasterIdLst>
     <p:notesMasterId r:id="rId7"/>
   </p:notesMasterIdLst>
+  <p:handoutMasterIdLst>
+    <p:handoutMasterId r:id="rId8"/>
+  </p:handoutMasterIdLst>
   <p:sldIdLst>
     <p:sldId id="256" r:id="rId6"/>
   </p:sldIdLst>
@@ -2814,7 +2817,7 @@
   <dgm:whole/>
   <dgm:extLst>
     <a:ext uri="http://schemas.microsoft.com/office/drawing/2008/diagram">
-      <dsp:dataModelExt xmlns:dsp="http://schemas.microsoft.com/office/drawing/2008/diagram" xmlns="" relId="rId15" minVer="http://schemas.openxmlformats.org/drawingml/2006/diagram"/>
+      <dsp:dataModelExt xmlns:dsp="http://schemas.microsoft.com/office/drawing/2008/diagram" xmlns="" relId="rId10" minVer="http://schemas.openxmlformats.org/drawingml/2006/diagram"/>
     </a:ext>
   </dgm:extLst>
 </dgm:dataModel>
@@ -3347,9 +3350,9 @@
     </dgm:pt>
   </dgm:ptLst>
   <dgm:cxnLst>
-    <dgm:cxn modelId="{F58F832E-3E7D-4866-BA9E-3BC94269B232}" type="presOf" srcId="{ACA0C823-383F-42D4-BC5D-995971385581}" destId="{B5494823-C132-4422-AE98-FDC44F1EBD0A}" srcOrd="0" destOrd="0" presId="urn:microsoft.com/office/officeart/2005/8/layout/cycle2"/>
     <dgm:cxn modelId="{C99F984C-5B18-406F-AE87-6B4F02D8CCBE}" type="presOf" srcId="{AAE5DE5B-3FC8-488C-956F-7AE4DA8C0AD7}" destId="{CA640984-C6BF-433D-AB2D-0FC3D8E0D266}" srcOrd="1" destOrd="0" presId="urn:microsoft.com/office/officeart/2005/8/layout/cycle2"/>
     <dgm:cxn modelId="{692B9FFE-858E-455F-9E18-D39DAFA4FD02}" type="presOf" srcId="{FC33881C-AB04-419C-A38C-EF842608E22F}" destId="{80FC8EA6-7391-4BB7-96BC-83C1CDCB48FA}" srcOrd="0" destOrd="0" presId="urn:microsoft.com/office/officeart/2005/8/layout/cycle2"/>
+    <dgm:cxn modelId="{F58F832E-3E7D-4866-BA9E-3BC94269B232}" type="presOf" srcId="{ACA0C823-383F-42D4-BC5D-995971385581}" destId="{B5494823-C132-4422-AE98-FDC44F1EBD0A}" srcOrd="0" destOrd="0" presId="urn:microsoft.com/office/officeart/2005/8/layout/cycle2"/>
     <dgm:cxn modelId="{F26A7249-EB4E-43E5-81CF-8A7214D1179F}" type="presOf" srcId="{463EEA29-059E-4B09-91F1-A1380597B9F9}" destId="{D864C33E-DC5D-4AEC-BE9B-DF3A6A7CDF4C}" srcOrd="0" destOrd="0" presId="urn:microsoft.com/office/officeart/2005/8/layout/cycle2"/>
     <dgm:cxn modelId="{956BDCDB-835D-4D4A-8AB8-25132E2A4591}" srcId="{463EEA29-059E-4B09-91F1-A1380597B9F9}" destId="{D5E69EA0-0DCC-4D0E-B315-0A7F886A769A}" srcOrd="0" destOrd="0" parTransId="{0B79A33C-23E3-40AB-B082-F4C56D1BF656}" sibTransId="{372316D1-A334-4249-8DCE-FF62CBD99E24}"/>
     <dgm:cxn modelId="{B01C604F-B26C-4B4C-BFD5-EDC2407640A5}" type="presOf" srcId="{1D636E3A-1595-43F0-BB6E-628AEBDA444B}" destId="{CC4501B5-FFC4-4990-A422-D85D97975743}" srcOrd="1" destOrd="0" presId="urn:microsoft.com/office/officeart/2005/8/layout/cycle2"/>
@@ -3395,7 +3398,7 @@
   <dgm:whole/>
   <dgm:extLst>
     <a:ext uri="http://schemas.microsoft.com/office/drawing/2008/diagram">
-      <dsp:dataModelExt xmlns:dsp="http://schemas.microsoft.com/office/drawing/2008/diagram" xmlns="" relId="rId21" minVer="http://schemas.openxmlformats.org/drawingml/2006/diagram"/>
+      <dsp:dataModelExt xmlns:dsp="http://schemas.microsoft.com/office/drawing/2008/diagram" xmlns="" relId="rId16" minVer="http://schemas.openxmlformats.org/drawingml/2006/diagram"/>
     </a:ext>
   </dgm:extLst>
 </dgm:dataModel>
@@ -3908,26 +3911,26 @@
     </dgm:pt>
   </dgm:ptLst>
   <dgm:cxnLst>
-    <dgm:cxn modelId="{2EAE06B3-E76D-4F98-9574-E66F636F2E67}" srcId="{85C090C1-022A-4756-8CF4-80AF227D155F}" destId="{6726BAD5-A5E6-47B1-9C52-F294E0B1097B}" srcOrd="0" destOrd="0" parTransId="{AD08D689-EB9E-4C53-A4FF-B28F6F5FDC74}" sibTransId="{5C09F649-B65F-4957-B8D2-ACF6A9686254}"/>
-    <dgm:cxn modelId="{7A74C88E-26D5-403E-9F82-ABFA3FB52C47}" type="presOf" srcId="{6726BAD5-A5E6-47B1-9C52-F294E0B1097B}" destId="{4C5EC015-157D-4B48-B696-46C687FD307E}" srcOrd="0" destOrd="0" presId="urn:microsoft.com/office/officeart/2005/8/layout/radial2"/>
-    <dgm:cxn modelId="{9103E53E-9F11-4C3B-8D83-1B90120CBF25}" type="presOf" srcId="{9718995C-EE12-4660-A263-256828FE0283}" destId="{7CD57EE0-DBB1-42EE-B734-3A249BA3B461}" srcOrd="0" destOrd="0" presId="urn:microsoft.com/office/officeart/2005/8/layout/radial2"/>
-    <dgm:cxn modelId="{FB997BBB-F47E-4D7B-9EB1-04F260C0033A}" type="presOf" srcId="{6AD11D59-04DA-40FB-A110-7E7B2E11475E}" destId="{B50987D1-79F0-4F98-BF04-A3ECAFE35217}" srcOrd="0" destOrd="0" presId="urn:microsoft.com/office/officeart/2005/8/layout/radial2"/>
-    <dgm:cxn modelId="{568C3A84-D40C-44BD-8483-77C7B3F1C635}" type="presOf" srcId="{F8990D85-BF06-4EA2-9F60-E1F5FB69B284}" destId="{F7D11EF9-1018-433A-B929-948AAFCC39C6}" srcOrd="0" destOrd="0" presId="urn:microsoft.com/office/officeart/2005/8/layout/radial2"/>
-    <dgm:cxn modelId="{D9F1C4F3-0AB3-42CC-9E24-49BFDC39FFDF}" type="presOf" srcId="{ACC50FC6-7030-41C6-B46B-C92BB0B23ED2}" destId="{34E16865-416C-4B3E-A0F0-B23FD338CF0F}" srcOrd="0" destOrd="0" presId="urn:microsoft.com/office/officeart/2005/8/layout/radial2"/>
-    <dgm:cxn modelId="{2F0077ED-806A-4A48-92FF-0BA241425076}" srcId="{85C090C1-022A-4756-8CF4-80AF227D155F}" destId="{ED6F155E-3785-4A71-B853-339F83E7D0E6}" srcOrd="1" destOrd="0" parTransId="{282FCAAF-DC9F-4E19-A7ED-21F6F8886A62}" sibTransId="{F1235FCA-B8EE-4044-B656-8813F3099317}"/>
-    <dgm:cxn modelId="{C7E40448-4A1B-40E1-B799-EF1206922594}" type="presOf" srcId="{64867E98-0E49-4520-99BC-30634715AFCD}" destId="{0F8AA12B-E1BA-40D2-A352-F50328A12118}" srcOrd="0" destOrd="0" presId="urn:microsoft.com/office/officeart/2005/8/layout/radial2"/>
-    <dgm:cxn modelId="{F3022D19-C7E3-4D47-95D4-DBBD19FA29D4}" srcId="{9718995C-EE12-4660-A263-256828FE0283}" destId="{542B92E1-909B-4E6F-A87D-F3E4AA6609EF}" srcOrd="0" destOrd="0" parTransId="{98C256D6-2094-45AB-B897-69FE1BD49819}" sibTransId="{5B42E1B6-8CAF-42F4-84A8-8EAD713D7BD7}"/>
-    <dgm:cxn modelId="{8A1BB4CE-9E9D-4EE6-AEE2-7184D07692E0}" type="presOf" srcId="{542B92E1-909B-4E6F-A87D-F3E4AA6609EF}" destId="{AE3763E3-7B38-48D8-9EE4-AC7E8664E0D8}" srcOrd="0" destOrd="0" presId="urn:microsoft.com/office/officeart/2005/8/layout/radial2"/>
-    <dgm:cxn modelId="{3C4F3FEC-FB3B-46AE-9D0D-FC7578D7E3C2}" type="presOf" srcId="{EB3F7CBF-6AF3-4548-A84E-57CBE9FD71AE}" destId="{06F5EABF-DA0C-44BF-B420-E1B7E11BF69F}" srcOrd="0" destOrd="0" presId="urn:microsoft.com/office/officeart/2005/8/layout/radial2"/>
-    <dgm:cxn modelId="{EEBD29B9-CC42-48E2-89E5-C730DE3A09A7}" srcId="{ACC50FC6-7030-41C6-B46B-C92BB0B23ED2}" destId="{C7E23AF7-4DB2-47A4-9740-3957E8BA9624}" srcOrd="0" destOrd="0" parTransId="{17020724-3401-44CF-9855-1E7D7F209558}" sibTransId="{921EA350-E27E-45C2-A068-2381FB009DA5}"/>
-    <dgm:cxn modelId="{930880A8-FBDD-4322-932A-4D9EE25A09C3}" type="presOf" srcId="{8F566422-0B56-49D1-8C5E-A64C6EADC94A}" destId="{AE3763E3-7B38-48D8-9EE4-AC7E8664E0D8}" srcOrd="0" destOrd="1" presId="urn:microsoft.com/office/officeart/2005/8/layout/radial2"/>
     <dgm:cxn modelId="{F3FFE06A-122D-4DE1-BEBE-264EDDBE1160}" srcId="{F8990D85-BF06-4EA2-9F60-E1F5FB69B284}" destId="{9718995C-EE12-4660-A263-256828FE0283}" srcOrd="0" destOrd="0" parTransId="{64867E98-0E49-4520-99BC-30634715AFCD}" sibTransId="{978401EF-EC58-43A0-B28C-ED0783A24423}"/>
     <dgm:cxn modelId="{DFA92669-8CFF-419F-B704-1E9E23A860A7}" srcId="{9718995C-EE12-4660-A263-256828FE0283}" destId="{8F566422-0B56-49D1-8C5E-A64C6EADC94A}" srcOrd="1" destOrd="0" parTransId="{BB06A69C-820B-4782-A0B1-7730AC429FE9}" sibTransId="{DB090518-CA3E-4BE6-A38F-106213260955}"/>
+    <dgm:cxn modelId="{2F0077ED-806A-4A48-92FF-0BA241425076}" srcId="{85C090C1-022A-4756-8CF4-80AF227D155F}" destId="{ED6F155E-3785-4A71-B853-339F83E7D0E6}" srcOrd="1" destOrd="0" parTransId="{282FCAAF-DC9F-4E19-A7ED-21F6F8886A62}" sibTransId="{F1235FCA-B8EE-4044-B656-8813F3099317}"/>
+    <dgm:cxn modelId="{2EAE06B3-E76D-4F98-9574-E66F636F2E67}" srcId="{85C090C1-022A-4756-8CF4-80AF227D155F}" destId="{6726BAD5-A5E6-47B1-9C52-F294E0B1097B}" srcOrd="0" destOrd="0" parTransId="{AD08D689-EB9E-4C53-A4FF-B28F6F5FDC74}" sibTransId="{5C09F649-B65F-4957-B8D2-ACF6A9686254}"/>
+    <dgm:cxn modelId="{930880A8-FBDD-4322-932A-4D9EE25A09C3}" type="presOf" srcId="{8F566422-0B56-49D1-8C5E-A64C6EADC94A}" destId="{AE3763E3-7B38-48D8-9EE4-AC7E8664E0D8}" srcOrd="0" destOrd="1" presId="urn:microsoft.com/office/officeart/2005/8/layout/radial2"/>
+    <dgm:cxn modelId="{D9F1C4F3-0AB3-42CC-9E24-49BFDC39FFDF}" type="presOf" srcId="{ACC50FC6-7030-41C6-B46B-C92BB0B23ED2}" destId="{34E16865-416C-4B3E-A0F0-B23FD338CF0F}" srcOrd="0" destOrd="0" presId="urn:microsoft.com/office/officeart/2005/8/layout/radial2"/>
+    <dgm:cxn modelId="{3C4F3FEC-FB3B-46AE-9D0D-FC7578D7E3C2}" type="presOf" srcId="{EB3F7CBF-6AF3-4548-A84E-57CBE9FD71AE}" destId="{06F5EABF-DA0C-44BF-B420-E1B7E11BF69F}" srcOrd="0" destOrd="0" presId="urn:microsoft.com/office/officeart/2005/8/layout/radial2"/>
+    <dgm:cxn modelId="{9103E53E-9F11-4C3B-8D83-1B90120CBF25}" type="presOf" srcId="{9718995C-EE12-4660-A263-256828FE0283}" destId="{7CD57EE0-DBB1-42EE-B734-3A249BA3B461}" srcOrd="0" destOrd="0" presId="urn:microsoft.com/office/officeart/2005/8/layout/radial2"/>
+    <dgm:cxn modelId="{F3022D19-C7E3-4D47-95D4-DBBD19FA29D4}" srcId="{9718995C-EE12-4660-A263-256828FE0283}" destId="{542B92E1-909B-4E6F-A87D-F3E4AA6609EF}" srcOrd="0" destOrd="0" parTransId="{98C256D6-2094-45AB-B897-69FE1BD49819}" sibTransId="{5B42E1B6-8CAF-42F4-84A8-8EAD713D7BD7}"/>
+    <dgm:cxn modelId="{E69AFB49-91BC-4F2A-8F9F-429D742B7D2C}" srcId="{F8990D85-BF06-4EA2-9F60-E1F5FB69B284}" destId="{85C090C1-022A-4756-8CF4-80AF227D155F}" srcOrd="2" destOrd="0" parTransId="{EB3F7CBF-6AF3-4548-A84E-57CBE9FD71AE}" sibTransId="{E94BA2D3-3498-490E-8398-92FFC88CDDD3}"/>
+    <dgm:cxn modelId="{EEBD29B9-CC42-48E2-89E5-C730DE3A09A7}" srcId="{ACC50FC6-7030-41C6-B46B-C92BB0B23ED2}" destId="{C7E23AF7-4DB2-47A4-9740-3957E8BA9624}" srcOrd="0" destOrd="0" parTransId="{17020724-3401-44CF-9855-1E7D7F209558}" sibTransId="{921EA350-E27E-45C2-A068-2381FB009DA5}"/>
+    <dgm:cxn modelId="{568C3A84-D40C-44BD-8483-77C7B3F1C635}" type="presOf" srcId="{F8990D85-BF06-4EA2-9F60-E1F5FB69B284}" destId="{F7D11EF9-1018-433A-B929-948AAFCC39C6}" srcOrd="0" destOrd="0" presId="urn:microsoft.com/office/officeart/2005/8/layout/radial2"/>
+    <dgm:cxn modelId="{C7E40448-4A1B-40E1-B799-EF1206922594}" type="presOf" srcId="{64867E98-0E49-4520-99BC-30634715AFCD}" destId="{0F8AA12B-E1BA-40D2-A352-F50328A12118}" srcOrd="0" destOrd="0" presId="urn:microsoft.com/office/officeart/2005/8/layout/radial2"/>
+    <dgm:cxn modelId="{96C131DC-1F5A-46CD-9DBF-82D3EC03814C}" srcId="{F8990D85-BF06-4EA2-9F60-E1F5FB69B284}" destId="{ACC50FC6-7030-41C6-B46B-C92BB0B23ED2}" srcOrd="1" destOrd="0" parTransId="{6AD11D59-04DA-40FB-A110-7E7B2E11475E}" sibTransId="{A11FF837-24A0-44A6-A7EE-7D90D4B90DBF}"/>
+    <dgm:cxn modelId="{8A1BB4CE-9E9D-4EE6-AEE2-7184D07692E0}" type="presOf" srcId="{542B92E1-909B-4E6F-A87D-F3E4AA6609EF}" destId="{AE3763E3-7B38-48D8-9EE4-AC7E8664E0D8}" srcOrd="0" destOrd="0" presId="urn:microsoft.com/office/officeart/2005/8/layout/radial2"/>
+    <dgm:cxn modelId="{FB997BBB-F47E-4D7B-9EB1-04F260C0033A}" type="presOf" srcId="{6AD11D59-04DA-40FB-A110-7E7B2E11475E}" destId="{B50987D1-79F0-4F98-BF04-A3ECAFE35217}" srcOrd="0" destOrd="0" presId="urn:microsoft.com/office/officeart/2005/8/layout/radial2"/>
+    <dgm:cxn modelId="{2571E549-A55F-4029-94E2-F9903A9AE197}" type="presOf" srcId="{ED6F155E-3785-4A71-B853-339F83E7D0E6}" destId="{4C5EC015-157D-4B48-B696-46C687FD307E}" srcOrd="0" destOrd="1" presId="urn:microsoft.com/office/officeart/2005/8/layout/radial2"/>
     <dgm:cxn modelId="{13BEAA66-AB4F-420F-AD0E-F1E5EB39733A}" type="presOf" srcId="{C7E23AF7-4DB2-47A4-9740-3957E8BA9624}" destId="{CEA09B7C-9DB3-44CD-A2C2-9D740ADA80BE}" srcOrd="0" destOrd="0" presId="urn:microsoft.com/office/officeart/2005/8/layout/radial2"/>
+    <dgm:cxn modelId="{7A74C88E-26D5-403E-9F82-ABFA3FB52C47}" type="presOf" srcId="{6726BAD5-A5E6-47B1-9C52-F294E0B1097B}" destId="{4C5EC015-157D-4B48-B696-46C687FD307E}" srcOrd="0" destOrd="0" presId="urn:microsoft.com/office/officeart/2005/8/layout/radial2"/>
     <dgm:cxn modelId="{AE212A5D-1764-4958-98CD-107FB056F506}" type="presOf" srcId="{85C090C1-022A-4756-8CF4-80AF227D155F}" destId="{C2EE49FF-D9D3-4A35-ABC9-BD17EC65C4F1}" srcOrd="0" destOrd="0" presId="urn:microsoft.com/office/officeart/2005/8/layout/radial2"/>
-    <dgm:cxn modelId="{96C131DC-1F5A-46CD-9DBF-82D3EC03814C}" srcId="{F8990D85-BF06-4EA2-9F60-E1F5FB69B284}" destId="{ACC50FC6-7030-41C6-B46B-C92BB0B23ED2}" srcOrd="1" destOrd="0" parTransId="{6AD11D59-04DA-40FB-A110-7E7B2E11475E}" sibTransId="{A11FF837-24A0-44A6-A7EE-7D90D4B90DBF}"/>
-    <dgm:cxn modelId="{E69AFB49-91BC-4F2A-8F9F-429D742B7D2C}" srcId="{F8990D85-BF06-4EA2-9F60-E1F5FB69B284}" destId="{85C090C1-022A-4756-8CF4-80AF227D155F}" srcOrd="2" destOrd="0" parTransId="{EB3F7CBF-6AF3-4548-A84E-57CBE9FD71AE}" sibTransId="{E94BA2D3-3498-490E-8398-92FFC88CDDD3}"/>
-    <dgm:cxn modelId="{2571E549-A55F-4029-94E2-F9903A9AE197}" type="presOf" srcId="{ED6F155E-3785-4A71-B853-339F83E7D0E6}" destId="{4C5EC015-157D-4B48-B696-46C687FD307E}" srcOrd="0" destOrd="1" presId="urn:microsoft.com/office/officeart/2005/8/layout/radial2"/>
     <dgm:cxn modelId="{68FA1B1D-DF04-4F04-A260-14BDE1C822FE}" type="presParOf" srcId="{F7D11EF9-1018-433A-B929-948AAFCC39C6}" destId="{75225CC1-1C41-495B-82FA-33A1AD17D339}" srcOrd="0" destOrd="0" presId="urn:microsoft.com/office/officeart/2005/8/layout/radial2"/>
     <dgm:cxn modelId="{DF336CAA-8D78-4A6B-BFC5-7215D196BEEF}" type="presParOf" srcId="{75225CC1-1C41-495B-82FA-33A1AD17D339}" destId="{C9D0AE76-6717-4C4F-8B21-4BC3CD3CC68B}" srcOrd="0" destOrd="0" presId="urn:microsoft.com/office/officeart/2005/8/layout/radial2"/>
     <dgm:cxn modelId="{A1437C90-26FC-417C-AA07-888C369D3265}" type="presParOf" srcId="{C9D0AE76-6717-4C4F-8B21-4BC3CD3CC68B}" destId="{E67EB678-14B4-44FE-B788-5F7C84F2B9EB}" srcOrd="0" destOrd="0" presId="urn:microsoft.com/office/officeart/2005/8/layout/radial2"/>
@@ -3949,7 +3952,7 @@
   <dgm:whole/>
   <dgm:extLst>
     <a:ext uri="http://schemas.microsoft.com/office/drawing/2008/diagram">
-      <dsp:dataModelExt xmlns:dsp="http://schemas.microsoft.com/office/drawing/2008/diagram" xmlns="" relId="rId28" minVer="http://schemas.openxmlformats.org/drawingml/2006/diagram"/>
+      <dsp:dataModelExt xmlns:dsp="http://schemas.microsoft.com/office/drawing/2008/diagram" xmlns="" relId="rId23" minVer="http://schemas.openxmlformats.org/drawingml/2006/diagram"/>
     </a:ext>
   </dgm:extLst>
 </dgm:dataModel>
@@ -10264,6 +10267,166 @@
 </dgm:styleDef>
 </file>
 
+<file path=ppt/handoutMasters/handoutMaster1.xml><?xml version="1.0" encoding="utf-8"?>
+<p:handoutMaster xmlns:a="http://schemas.openxmlformats.org/drawingml/2006/main" xmlns:r="http://schemas.openxmlformats.org/officeDocument/2006/relationships" xmlns:p="http://schemas.openxmlformats.org/presentationml/2006/main">
+  <p:cSld>
+    <p:bg>
+      <p:bgRef idx="1001">
+        <a:schemeClr val="bg1"/>
+      </p:bgRef>
+    </p:bg>
+    <p:spTree>
+      <p:nvGrpSpPr>
+        <p:cNvPr id="1" name=""/>
+        <p:cNvGrpSpPr/>
+        <p:nvPr/>
+      </p:nvGrpSpPr>
+      <p:grpSpPr>
+        <a:xfrm>
+          <a:off x="0" y="0"/>
+          <a:ext cx="0" cy="0"/>
+          <a:chOff x="0" y="0"/>
+          <a:chExt cx="0" cy="0"/>
+        </a:xfrm>
+      </p:grpSpPr>
+      <p:sp>
+        <p:nvSpPr>
+          <p:cNvPr id="2" name="Header Placeholder 1"/>
+          <p:cNvSpPr>
+            <a:spLocks noGrp="1"/>
+          </p:cNvSpPr>
+          <p:nvPr>
+            <p:ph type="hdr" sz="quarter"/>
+          </p:nvPr>
+        </p:nvSpPr>
+        <p:spPr>
+          <a:xfrm>
+            <a:off x="0" y="0"/>
+            <a:ext cx="2971800" cy="457200"/>
+          </a:xfrm>
+          <a:prstGeom prst="rect">
+            <a:avLst/>
+          </a:prstGeom>
+        </p:spPr>
+        <p:txBody>
+          <a:bodyPr vert="horz" lIns="91440" tIns="45720" rIns="91440" bIns="45720" rtlCol="0"/>
+          <a:lstStyle>
+            <a:lvl1pPr algn="l">
+              <a:defRPr sz="1200"/>
+            </a:lvl1pPr>
+          </a:lstStyle>
+          <a:p>
+            <a:endParaRPr lang="en-GB"/>
+          </a:p>
+        </p:txBody>
+      </p:sp>
+      <p:sp>
+        <p:nvSpPr>
+          <p:cNvPr id="3" name="Date Placeholder 2"/>
+          <p:cNvSpPr>
+            <a:spLocks noGrp="1"/>
+          </p:cNvSpPr>
+          <p:nvPr>
+            <p:ph type="dt" sz="quarter" idx="1"/>
+          </p:nvPr>
+        </p:nvSpPr>
+        <p:spPr>
+          <a:xfrm>
+            <a:off x="3884613" y="0"/>
+            <a:ext cx="2971800" cy="457200"/>
+          </a:xfrm>
+          <a:prstGeom prst="rect">
+            <a:avLst/>
+          </a:prstGeom>
+        </p:spPr>
+        <p:txBody>
+          <a:bodyPr vert="horz" lIns="91440" tIns="45720" rIns="91440" bIns="45720" rtlCol="0"/>
+          <a:lstStyle>
+            <a:lvl1pPr algn="r">
+              <a:defRPr sz="1200"/>
+            </a:lvl1pPr>
+          </a:lstStyle>
+          <a:p>
+            <a:fld id="{E78E1D5F-7523-4815-A670-60864F601D30}" type="datetimeFigureOut">
+              <a:rPr lang="en-GB" smtClean="0"/>
+              <a:t>29/08/2012</a:t>
+            </a:fld>
+            <a:endParaRPr lang="en-GB"/>
+          </a:p>
+        </p:txBody>
+      </p:sp>
+      <p:sp>
+        <p:nvSpPr>
+          <p:cNvPr id="4" name="Footer Placeholder 3"/>
+          <p:cNvSpPr>
+            <a:spLocks noGrp="1"/>
+          </p:cNvSpPr>
+          <p:nvPr>
+            <p:ph type="ftr" sz="quarter" idx="2"/>
+          </p:nvPr>
+        </p:nvSpPr>
+        <p:spPr>
+          <a:xfrm>
+            <a:off x="0" y="8685213"/>
+            <a:ext cx="2971800" cy="457200"/>
+          </a:xfrm>
+          <a:prstGeom prst="rect">
+            <a:avLst/>
+          </a:prstGeom>
+        </p:spPr>
+        <p:txBody>
+          <a:bodyPr vert="horz" lIns="91440" tIns="45720" rIns="91440" bIns="45720" rtlCol="0" anchor="b"/>
+          <a:lstStyle>
+            <a:lvl1pPr algn="l">
+              <a:defRPr sz="1200"/>
+            </a:lvl1pPr>
+          </a:lstStyle>
+          <a:p>
+            <a:endParaRPr lang="en-GB"/>
+          </a:p>
+        </p:txBody>
+      </p:sp>
+      <p:sp>
+        <p:nvSpPr>
+          <p:cNvPr id="5" name="Slide Number Placeholder 4"/>
+          <p:cNvSpPr>
+            <a:spLocks noGrp="1"/>
+          </p:cNvSpPr>
+          <p:nvPr>
+            <p:ph type="sldNum" sz="quarter" idx="3"/>
+          </p:nvPr>
+        </p:nvSpPr>
+        <p:spPr>
+          <a:xfrm>
+            <a:off x="3884613" y="8685213"/>
+            <a:ext cx="2971800" cy="457200"/>
+          </a:xfrm>
+          <a:prstGeom prst="rect">
+            <a:avLst/>
+          </a:prstGeom>
+        </p:spPr>
+        <p:txBody>
+          <a:bodyPr vert="horz" lIns="91440" tIns="45720" rIns="91440" bIns="45720" rtlCol="0" anchor="b"/>
+          <a:lstStyle>
+            <a:lvl1pPr algn="r">
+              <a:defRPr sz="1200"/>
+            </a:lvl1pPr>
+          </a:lstStyle>
+          <a:p>
+            <a:fld id="{2733490B-C151-4ED9-AE1B-2EC601608F54}" type="slidenum">
+              <a:rPr lang="en-GB" smtClean="0"/>
+              <a:t>‹#›</a:t>
+            </a:fld>
+            <a:endParaRPr lang="en-GB"/>
+          </a:p>
+        </p:txBody>
+      </p:sp>
+    </p:spTree>
+  </p:cSld>
+  <p:clrMap bg1="lt1" tx1="dk1" bg2="lt2" tx2="dk2" accent1="accent1" accent2="accent2" accent3="accent3" accent4="accent4" accent5="accent5" accent6="accent6" hlink="hlink" folHlink="folHlink"/>
+</p:handoutMaster>
+</file>
+
 <file path=ppt/notesMasters/notesMaster1.xml><?xml version="1.0" encoding="utf-8"?>
 <p:notesMaster xmlns:a="http://schemas.openxmlformats.org/drawingml/2006/main" xmlns:r="http://schemas.openxmlformats.org/officeDocument/2006/relationships" xmlns:p="http://schemas.openxmlformats.org/presentationml/2006/main">
   <p:cSld>
@@ -13149,16 +13312,6 @@
                         </a:rPr>
                         <a:t>Background</a:t>
                       </a:r>
-                      <a:endParaRPr kumimoji="0" lang="en-US" sz="5000" b="0" i="0" u="none" strike="noStrike" kern="0" cap="none" normalizeH="0" baseline="0" dirty="0" smtClean="0">
-                        <a:ln>
-                          <a:noFill/>
-                        </a:ln>
-                        <a:solidFill>
-                          <a:srgbClr val="002D55"/>
-                        </a:solidFill>
-                        <a:effectLst/>
-                        <a:latin typeface="Corisande" pitchFamily="2" charset="0"/>
-                      </a:endParaRPr>
                     </a:p>
                     <a:p>
                       <a:pPr marL="0" marR="0" lvl="0" indent="0" algn="l" defTabSz="4173538" rtl="0" eaLnBrk="1" fontAlgn="base" latinLnBrk="0" hangingPunct="1">
@@ -14161,6 +14314,24 @@
                         </a:rPr>
                         <a:t>.</a:t>
                       </a:r>
+                    </a:p>
+                    <a:p>
+                      <a:pPr marL="0" marR="0" lvl="0" indent="0" algn="l" defTabSz="4173538" rtl="0" eaLnBrk="1" fontAlgn="base" latinLnBrk="0" hangingPunct="1">
+                        <a:lnSpc>
+                          <a:spcPct val="100000"/>
+                        </a:lnSpc>
+                        <a:spcBef>
+                          <a:spcPct val="20000"/>
+                        </a:spcBef>
+                        <a:spcAft>
+                          <a:spcPct val="0"/>
+                        </a:spcAft>
+                        <a:buClrTx/>
+                        <a:buSzTx/>
+                        <a:buFontTx/>
+                        <a:buNone/>
+                        <a:tabLst/>
+                      </a:pPr>
                       <a:endParaRPr kumimoji="0" lang="en-US" sz="2400" b="0" i="0" u="none" strike="noStrike" kern="0" cap="none" normalizeH="0" baseline="0" dirty="0" smtClean="0">
                         <a:ln>
                           <a:noFill/>
@@ -14336,6 +14507,60 @@
                         <a:tabLst/>
                         <a:defRPr/>
                       </a:pPr>
+                      <a:endParaRPr lang="en-GB" sz="2400" i="1" kern="1200" dirty="0" smtClean="0">
+                        <a:solidFill>
+                          <a:schemeClr val="tx1"/>
+                        </a:solidFill>
+                        <a:latin typeface="Corisande"/>
+                        <a:ea typeface="+mn-ea"/>
+                        <a:cs typeface="+mn-cs"/>
+                      </a:endParaRPr>
+                    </a:p>
+                    <a:p>
+                      <a:pPr marL="0" marR="0" lvl="0" indent="0" algn="ctr" defTabSz="4173538" rtl="0" eaLnBrk="1" fontAlgn="base" latinLnBrk="0" hangingPunct="1">
+                        <a:lnSpc>
+                          <a:spcPct val="100000"/>
+                        </a:lnSpc>
+                        <a:spcBef>
+                          <a:spcPct val="20000"/>
+                        </a:spcBef>
+                        <a:spcAft>
+                          <a:spcPct val="0"/>
+                        </a:spcAft>
+                        <a:buClrTx/>
+                        <a:buSzTx/>
+                        <a:buFontTx/>
+                        <a:buNone/>
+                        <a:tabLst/>
+                        <a:defRPr/>
+                      </a:pPr>
+                      <a:endParaRPr lang="en-GB" sz="2400" i="1" kern="1200" dirty="0" smtClean="0">
+                        <a:solidFill>
+                          <a:schemeClr val="tx1"/>
+                        </a:solidFill>
+                        <a:latin typeface="Corisande"/>
+                        <a:ea typeface="+mn-ea"/>
+                        <a:cs typeface="+mn-cs"/>
+                      </a:endParaRPr>
+                    </a:p>
+                    <a:p>
+                      <a:pPr marL="0" marR="0" lvl="0" indent="0" algn="ctr" defTabSz="4173538" rtl="0" eaLnBrk="1" fontAlgn="base" latinLnBrk="0" hangingPunct="1">
+                        <a:lnSpc>
+                          <a:spcPct val="100000"/>
+                        </a:lnSpc>
+                        <a:spcBef>
+                          <a:spcPct val="20000"/>
+                        </a:spcBef>
+                        <a:spcAft>
+                          <a:spcPct val="0"/>
+                        </a:spcAft>
+                        <a:buClrTx/>
+                        <a:buSzTx/>
+                        <a:buFontTx/>
+                        <a:buNone/>
+                        <a:tabLst/>
+                        <a:defRPr/>
+                      </a:pPr>
                       <a:r>
                         <a:rPr lang="en-GB" sz="2400" i="1" kern="1200" dirty="0" smtClean="0">
                           <a:solidFill>
@@ -14356,7 +14581,18 @@
                           <a:ea typeface="+mn-ea"/>
                           <a:cs typeface="+mn-cs"/>
                         </a:rPr>
-                        <a:t> of outstanding tickets through </a:t>
+                        <a:t> </a:t>
+                      </a:r>
+                      <a:r>
+                        <a:rPr lang="en-GB" sz="2400" i="1" kern="1200" baseline="0" dirty="0" smtClean="0">
+                          <a:solidFill>
+                            <a:schemeClr val="tx1"/>
+                          </a:solidFill>
+                          <a:latin typeface="Corisande"/>
+                          <a:ea typeface="+mn-ea"/>
+                          <a:cs typeface="+mn-cs"/>
+                        </a:rPr>
+                        <a:t>of outstanding tickets through </a:t>
                       </a:r>
                       <a:r>
                         <a:rPr lang="en-GB" sz="2400" i="1" kern="1200" baseline="0" dirty="0" err="1" smtClean="0">
@@ -14380,13 +14616,15 @@
                         </a:rPr>
                         <a:t>.</a:t>
                       </a:r>
-                      <a:endParaRPr lang="en-GB" sz="2400" i="1" kern="1200" dirty="0" smtClean="0">
+                      <a:endParaRPr kumimoji="0" lang="en-US" sz="5000" b="0" i="0" u="none" strike="noStrike" kern="0" cap="none" normalizeH="0" baseline="0" dirty="0" smtClean="0">
+                        <a:ln>
+                          <a:noFill/>
+                        </a:ln>
                         <a:solidFill>
-                          <a:schemeClr val="tx1"/>
+                          <a:srgbClr val="002D55"/>
                         </a:solidFill>
-                        <a:latin typeface="Corisande"/>
-                        <a:ea typeface="+mn-ea"/>
-                        <a:cs typeface="+mn-cs"/>
+                        <a:effectLst/>
+                        <a:latin typeface="Corisande" pitchFamily="2" charset="0"/>
                       </a:endParaRPr>
                     </a:p>
                     <a:p>
@@ -14417,7 +14655,20 @@
                           <a:effectLst/>
                           <a:latin typeface="Corisande" pitchFamily="2" charset="0"/>
                         </a:rPr>
-                        <a:t>Distributed Version Control</a:t>
+                        <a:t>Distributed </a:t>
+                      </a:r>
+                      <a:r>
+                        <a:rPr kumimoji="0" lang="en-US" sz="5000" b="0" i="0" u="none" strike="noStrike" kern="0" cap="none" normalizeH="0" baseline="0" dirty="0" smtClean="0">
+                          <a:ln>
+                            <a:noFill/>
+                          </a:ln>
+                          <a:solidFill>
+                            <a:srgbClr val="002D55"/>
+                          </a:solidFill>
+                          <a:effectLst/>
+                          <a:latin typeface="Corisande" pitchFamily="2" charset="0"/>
+                        </a:rPr>
+                        <a:t>Version Control</a:t>
                       </a:r>
                     </a:p>
                     <a:p>
@@ -17774,237 +18025,6 @@
           <a:noFill/>
         </p:spPr>
       </p:pic>
-      <p:grpSp>
-        <p:nvGrpSpPr>
-          <p:cNvPr id="30" name="Group 29"/>
-          <p:cNvGrpSpPr/>
-          <p:nvPr/>
-        </p:nvGrpSpPr>
-        <p:grpSpPr>
-          <a:xfrm>
-            <a:off x="28008782" y="34435329"/>
-            <a:ext cx="4392489" cy="9361040"/>
-            <a:chOff x="10209463" y="21257865"/>
-            <a:chExt cx="6926111" cy="18506056"/>
-          </a:xfrm>
-        </p:grpSpPr>
-        <p:pic>
-          <p:nvPicPr>
-            <p:cNvPr id="1032" name="Picture 8" descr="C:\Users\spu92482\Desktop\logos\logo-ubuntu_st_no®-black_orange-hex.png"/>
-            <p:cNvPicPr>
-              <a:picLocks noChangeAspect="1" noChangeArrowheads="1"/>
-            </p:cNvPicPr>
-            <p:nvPr/>
-          </p:nvPicPr>
-          <p:blipFill>
-            <a:blip r:embed="rId6" cstate="print"/>
-            <a:srcRect/>
-            <a:stretch>
-              <a:fillRect/>
-            </a:stretch>
-          </p:blipFill>
-          <p:spPr bwMode="auto">
-            <a:xfrm>
-              <a:off x="10209463" y="34867377"/>
-              <a:ext cx="6926111" cy="4896544"/>
-            </a:xfrm>
-            <a:prstGeom prst="rect">
-              <a:avLst/>
-            </a:prstGeom>
-            <a:noFill/>
-          </p:spPr>
-        </p:pic>
-        <p:grpSp>
-          <p:nvGrpSpPr>
-            <p:cNvPr id="29" name="Group 28"/>
-            <p:cNvGrpSpPr/>
-            <p:nvPr/>
-          </p:nvGrpSpPr>
-          <p:grpSpPr>
-            <a:xfrm>
-              <a:off x="11446942" y="21257865"/>
-              <a:ext cx="4536504" cy="18146016"/>
-              <a:chOff x="11446942" y="21257865"/>
-              <a:chExt cx="4536504" cy="18146016"/>
-            </a:xfrm>
-          </p:grpSpPr>
-          <p:pic>
-            <p:nvPicPr>
-              <p:cNvPr id="20" name="Picture 3" descr="C:\Users\spu92482\Desktop\logos\windows_xp_logo_81.jpg"/>
-              <p:cNvPicPr>
-                <a:picLocks noChangeAspect="1" noChangeArrowheads="1"/>
-              </p:cNvPicPr>
-              <p:nvPr/>
-            </p:nvPicPr>
-            <p:blipFill>
-              <a:blip r:embed="rId7" cstate="print"/>
-              <a:srcRect/>
-              <a:stretch>
-                <a:fillRect/>
-              </a:stretch>
-            </p:blipFill>
-            <p:spPr bwMode="auto">
-              <a:xfrm>
-                <a:off x="11878990" y="32383101"/>
-                <a:ext cx="4104456" cy="2736304"/>
-              </a:xfrm>
-              <a:prstGeom prst="rect">
-                <a:avLst/>
-              </a:prstGeom>
-              <a:noFill/>
-            </p:spPr>
-          </p:pic>
-          <p:pic>
-            <p:nvPicPr>
-              <p:cNvPr id="21" name="Picture 4" descr="C:\Users\spu92482\Desktop\logos\Windows-7.png"/>
-              <p:cNvPicPr>
-                <a:picLocks noChangeAspect="1" noChangeArrowheads="1"/>
-              </p:cNvPicPr>
-              <p:nvPr/>
-            </p:nvPicPr>
-            <p:blipFill>
-              <a:blip r:embed="rId8" cstate="print"/>
-              <a:srcRect/>
-              <a:stretch>
-                <a:fillRect/>
-              </a:stretch>
-            </p:blipFill>
-            <p:spPr bwMode="auto">
-              <a:xfrm>
-                <a:off x="12085710" y="28323953"/>
-                <a:ext cx="3330976" cy="3312368"/>
-              </a:xfrm>
-              <a:prstGeom prst="rect">
-                <a:avLst/>
-              </a:prstGeom>
-              <a:noFill/>
-            </p:spPr>
-          </p:pic>
-          <p:pic>
-            <p:nvPicPr>
-              <p:cNvPr id="23" name="Picture 6" descr="C:\Users\spu92482\Desktop\logos\redhat-logo-big2.jpg"/>
-              <p:cNvPicPr>
-                <a:picLocks noChangeAspect="1" noChangeArrowheads="1"/>
-              </p:cNvPicPr>
-              <p:nvPr/>
-            </p:nvPicPr>
-            <p:blipFill>
-              <a:blip r:embed="rId9" cstate="print"/>
-              <a:srcRect/>
-              <a:stretch>
-                <a:fillRect/>
-              </a:stretch>
-            </p:blipFill>
-            <p:spPr bwMode="auto">
-              <a:xfrm>
-                <a:off x="12310037" y="24857264"/>
-                <a:ext cx="2880320" cy="3170355"/>
-              </a:xfrm>
-              <a:prstGeom prst="rect">
-                <a:avLst/>
-              </a:prstGeom>
-              <a:noFill/>
-            </p:spPr>
-          </p:pic>
-          <p:pic>
-            <p:nvPicPr>
-              <p:cNvPr id="24" name="Picture 7" descr="C:\Users\spu92482\Desktop\logos\mac-logo.jpg"/>
-              <p:cNvPicPr>
-                <a:picLocks noChangeAspect="1" noChangeArrowheads="1"/>
-              </p:cNvPicPr>
-              <p:nvPr/>
-            </p:nvPicPr>
-            <p:blipFill>
-              <a:blip r:embed="rId10" cstate="print"/>
-              <a:srcRect/>
-              <a:stretch>
-                <a:fillRect/>
-              </a:stretch>
-            </p:blipFill>
-            <p:spPr bwMode="auto">
-              <a:xfrm>
-                <a:off x="12484629" y="21588331"/>
-                <a:ext cx="2461131" cy="3240360"/>
-              </a:xfrm>
-              <a:prstGeom prst="rect">
-                <a:avLst/>
-              </a:prstGeom>
-              <a:noFill/>
-            </p:spPr>
-          </p:pic>
-          <p:sp>
-            <p:nvSpPr>
-              <p:cNvPr id="27" name="Rounded Rectangle 26"/>
-              <p:cNvSpPr/>
-              <p:nvPr/>
-            </p:nvSpPr>
-            <p:spPr bwMode="auto">
-              <a:xfrm rot="5400000">
-                <a:off x="4606182" y="28098625"/>
-                <a:ext cx="18146016" cy="4464496"/>
-              </a:xfrm>
-              <a:prstGeom prst="roundRect">
-                <a:avLst/>
-              </a:prstGeom>
-              <a:noFill/>
-              <a:ln>
-                <a:headEnd type="none" w="med" len="med"/>
-                <a:tailEnd type="none" w="med" len="med"/>
-              </a:ln>
-            </p:spPr>
-            <p:style>
-              <a:lnRef idx="1">
-                <a:schemeClr val="accent2"/>
-              </a:lnRef>
-              <a:fillRef idx="2">
-                <a:schemeClr val="accent2"/>
-              </a:fillRef>
-              <a:effectRef idx="1">
-                <a:schemeClr val="accent2"/>
-              </a:effectRef>
-              <a:fontRef idx="minor">
-                <a:schemeClr val="dk1"/>
-              </a:fontRef>
-            </p:style>
-            <p:txBody>
-              <a:bodyPr vert="horz" wrap="square" lIns="91440" tIns="45720" rIns="91440" bIns="45720" numCol="1" rtlCol="0" anchor="t" anchorCtr="0" compatLnSpc="1">
-                <a:prstTxWarp prst="textNoShape">
-                  <a:avLst/>
-                </a:prstTxWarp>
-              </a:bodyPr>
-              <a:lstStyle/>
-              <a:p>
-                <a:pPr marL="0" marR="0" indent="0" algn="l" defTabSz="914400" rtl="0" eaLnBrk="0" fontAlgn="base" latinLnBrk="0" hangingPunct="0">
-                  <a:lnSpc>
-                    <a:spcPct val="100000"/>
-                  </a:lnSpc>
-                  <a:spcBef>
-                    <a:spcPct val="0"/>
-                  </a:spcBef>
-                  <a:spcAft>
-                    <a:spcPct val="0"/>
-                  </a:spcAft>
-                  <a:buClrTx/>
-                  <a:buSzTx/>
-                  <a:buFontTx/>
-                  <a:buNone/>
-                  <a:tabLst/>
-                </a:pPr>
-                <a:endParaRPr kumimoji="0" lang="en-GB" sz="2400" b="0" i="0" u="none" strike="noStrike" cap="none" normalizeH="0" baseline="0" smtClean="0">
-                  <a:ln>
-                    <a:noFill/>
-                  </a:ln>
-                  <a:solidFill>
-                    <a:schemeClr val="tx1"/>
-                  </a:solidFill>
-                  <a:effectLst/>
-                  <a:latin typeface="Times" pitchFamily="18" charset="0"/>
-                </a:endParaRPr>
-              </a:p>
-            </p:txBody>
-          </p:sp>
-        </p:grpSp>
-      </p:grpSp>
       <p:graphicFrame>
         <p:nvGraphicFramePr>
           <p:cNvPr id="40" name="Diagram 39"/>
@@ -18017,7 +18037,7 @@
         </p:xfrm>
         <a:graphic>
           <a:graphicData uri="http://schemas.openxmlformats.org/drawingml/2006/diagram">
-            <dgm:relIds xmlns:dgm="http://schemas.openxmlformats.org/drawingml/2006/diagram" xmlns:r="http://schemas.openxmlformats.org/officeDocument/2006/relationships" r:dm="rId11" r:lo="rId12" r:qs="rId13" r:cs="rId14"/>
+            <dgm:relIds xmlns:dgm="http://schemas.openxmlformats.org/drawingml/2006/diagram" xmlns:r="http://schemas.openxmlformats.org/officeDocument/2006/relationships" r:dm="rId6" r:lo="rId7" r:qs="rId8" r:cs="rId9"/>
           </a:graphicData>
         </a:graphic>
       </p:graphicFrame>
@@ -18030,7 +18050,7 @@
           <p:nvPr/>
         </p:nvPicPr>
         <p:blipFill>
-          <a:blip r:embed="rId16" cstate="print"/>
+          <a:blip r:embed="rId11" cstate="print"/>
           <a:srcRect l="26363" t="30214" b="16331"/>
           <a:stretch>
             <a:fillRect/>
@@ -18065,7 +18085,7 @@
         </p:xfrm>
         <a:graphic>
           <a:graphicData uri="http://schemas.openxmlformats.org/drawingml/2006/diagram">
-            <dgm:relIds xmlns:dgm="http://schemas.openxmlformats.org/drawingml/2006/diagram" xmlns:r="http://schemas.openxmlformats.org/officeDocument/2006/relationships" r:dm="rId17" r:lo="rId18" r:qs="rId19" r:cs="rId20"/>
+            <dgm:relIds xmlns:dgm="http://schemas.openxmlformats.org/drawingml/2006/diagram" xmlns:r="http://schemas.openxmlformats.org/officeDocument/2006/relationships" r:dm="rId12" r:lo="rId13" r:qs="rId14" r:cs="rId15"/>
           </a:graphicData>
         </a:graphic>
       </p:graphicFrame>
@@ -18078,7 +18098,7 @@
           <p:nvPr/>
         </p:nvPicPr>
         <p:blipFill>
-          <a:blip r:embed="rId22" cstate="print"/>
+          <a:blip r:embed="rId17" cstate="print"/>
           <a:srcRect l="379" t="12612" r="1630" b="33860"/>
           <a:stretch>
             <a:fillRect/>
@@ -18086,7 +18106,7 @@
         </p:blipFill>
         <p:spPr bwMode="auto">
           <a:xfrm>
-            <a:off x="1149799" y="28818705"/>
+            <a:off x="1077790" y="30402881"/>
             <a:ext cx="9272262" cy="2880320"/>
           </a:xfrm>
           <a:prstGeom prst="rect">
@@ -18110,7 +18130,7 @@
           <p:nvPr/>
         </p:nvPicPr>
         <p:blipFill>
-          <a:blip r:embed="rId23" cstate="print"/>
+          <a:blip r:embed="rId18" cstate="print"/>
           <a:srcRect/>
           <a:stretch>
             <a:fillRect/>
@@ -18139,7 +18159,7 @@
         </p:xfrm>
         <a:graphic>
           <a:graphicData uri="http://schemas.openxmlformats.org/drawingml/2006/diagram">
-            <dgm:relIds xmlns:dgm="http://schemas.openxmlformats.org/drawingml/2006/diagram" xmlns:r="http://schemas.openxmlformats.org/officeDocument/2006/relationships" r:dm="rId24" r:lo="rId25" r:qs="rId26" r:cs="rId27"/>
+            <dgm:relIds xmlns:dgm="http://schemas.openxmlformats.org/drawingml/2006/diagram" xmlns:r="http://schemas.openxmlformats.org/officeDocument/2006/relationships" r:dm="rId19" r:lo="rId20" r:qs="rId21" r:cs="rId22"/>
           </a:graphicData>
         </a:graphic>
       </p:graphicFrame>
@@ -18152,7 +18172,7 @@
           <p:nvPr/>
         </p:nvPicPr>
         <p:blipFill>
-          <a:blip r:embed="rId29" cstate="print"/>
+          <a:blip r:embed="rId24" cstate="print"/>
           <a:srcRect t="27197" r="3144" b="57162"/>
           <a:stretch>
             <a:fillRect/>
@@ -18184,7 +18204,7 @@
           <p:nvPr/>
         </p:nvPicPr>
         <p:blipFill>
-          <a:blip r:embed="rId30" cstate="print"/>
+          <a:blip r:embed="rId25" cstate="print"/>
           <a:srcRect l="48819" t="23939" r="10625" b="25228"/>
           <a:stretch>
             <a:fillRect/>
@@ -18212,6 +18232,13 @@
   <p:clrMapOvr>
     <a:masterClrMapping/>
   </p:clrMapOvr>
+  <p:timing>
+    <p:tnLst>
+      <p:par>
+        <p:cTn id="1" dur="indefinite" restart="never" nodeType="tmRoot"/>
+      </p:par>
+    </p:tnLst>
+  </p:timing>
 </p:sld>
 </file>
 
@@ -19341,7 +19368,303 @@
 </a:theme>
 </file>
 
+<file path=ppt/theme/theme3.xml><?xml version="1.0" encoding="utf-8"?>
+<a:theme xmlns:a="http://schemas.openxmlformats.org/drawingml/2006/main" name="Office Theme">
+  <a:themeElements>
+    <a:clrScheme name="Office">
+      <a:dk1>
+        <a:sysClr val="windowText" lastClr="000000"/>
+      </a:dk1>
+      <a:lt1>
+        <a:sysClr val="window" lastClr="FFFFFF"/>
+      </a:lt1>
+      <a:dk2>
+        <a:srgbClr val="1F497D"/>
+      </a:dk2>
+      <a:lt2>
+        <a:srgbClr val="EEECE1"/>
+      </a:lt2>
+      <a:accent1>
+        <a:srgbClr val="4F81BD"/>
+      </a:accent1>
+      <a:accent2>
+        <a:srgbClr val="C0504D"/>
+      </a:accent2>
+      <a:accent3>
+        <a:srgbClr val="9BBB59"/>
+      </a:accent3>
+      <a:accent4>
+        <a:srgbClr val="8064A2"/>
+      </a:accent4>
+      <a:accent5>
+        <a:srgbClr val="4BACC6"/>
+      </a:accent5>
+      <a:accent6>
+        <a:srgbClr val="F79646"/>
+      </a:accent6>
+      <a:hlink>
+        <a:srgbClr val="0000FF"/>
+      </a:hlink>
+      <a:folHlink>
+        <a:srgbClr val="800080"/>
+      </a:folHlink>
+    </a:clrScheme>
+    <a:fontScheme name="Office">
+      <a:majorFont>
+        <a:latin typeface="Calibri"/>
+        <a:ea typeface=""/>
+        <a:cs typeface=""/>
+        <a:font script="Jpan" typeface="ＭＳ Ｐゴシック"/>
+        <a:font script="Hang" typeface="맑은 고딕"/>
+        <a:font script="Hans" typeface="宋体"/>
+        <a:font script="Hant" typeface="新細明體"/>
+        <a:font script="Arab" typeface="Times New Roman"/>
+        <a:font script="Hebr" typeface="Times New Roman"/>
+        <a:font script="Thai" typeface="Angsana New"/>
+        <a:font script="Ethi" typeface="Nyala"/>
+        <a:font script="Beng" typeface="Vrinda"/>
+        <a:font script="Gujr" typeface="Shruti"/>
+        <a:font script="Khmr" typeface="MoolBoran"/>
+        <a:font script="Knda" typeface="Tunga"/>
+        <a:font script="Guru" typeface="Raavi"/>
+        <a:font script="Cans" typeface="Euphemia"/>
+        <a:font script="Cher" typeface="Plantagenet Cherokee"/>
+        <a:font script="Yiii" typeface="Microsoft Yi Baiti"/>
+        <a:font script="Tibt" typeface="Microsoft Himalaya"/>
+        <a:font script="Thaa" typeface="MV Boli"/>
+        <a:font script="Deva" typeface="Mangal"/>
+        <a:font script="Telu" typeface="Gautami"/>
+        <a:font script="Taml" typeface="Latha"/>
+        <a:font script="Syrc" typeface="Estrangelo Edessa"/>
+        <a:font script="Orya" typeface="Kalinga"/>
+        <a:font script="Mlym" typeface="Kartika"/>
+        <a:font script="Laoo" typeface="DokChampa"/>
+        <a:font script="Sinh" typeface="Iskoola Pota"/>
+        <a:font script="Mong" typeface="Mongolian Baiti"/>
+        <a:font script="Viet" typeface="Times New Roman"/>
+        <a:font script="Uigh" typeface="Microsoft Uighur"/>
+      </a:majorFont>
+      <a:minorFont>
+        <a:latin typeface="Calibri"/>
+        <a:ea typeface=""/>
+        <a:cs typeface=""/>
+        <a:font script="Jpan" typeface="ＭＳ Ｐゴシック"/>
+        <a:font script="Hang" typeface="맑은 고딕"/>
+        <a:font script="Hans" typeface="宋体"/>
+        <a:font script="Hant" typeface="新細明體"/>
+        <a:font script="Arab" typeface="Arial"/>
+        <a:font script="Hebr" typeface="Arial"/>
+        <a:font script="Thai" typeface="Cordia New"/>
+        <a:font script="Ethi" typeface="Nyala"/>
+        <a:font script="Beng" typeface="Vrinda"/>
+        <a:font script="Gujr" typeface="Shruti"/>
+        <a:font script="Khmr" typeface="DaunPenh"/>
+        <a:font script="Knda" typeface="Tunga"/>
+        <a:font script="Guru" typeface="Raavi"/>
+        <a:font script="Cans" typeface="Euphemia"/>
+        <a:font script="Cher" typeface="Plantagenet Cherokee"/>
+        <a:font script="Yiii" typeface="Microsoft Yi Baiti"/>
+        <a:font script="Tibt" typeface="Microsoft Himalaya"/>
+        <a:font script="Thaa" typeface="MV Boli"/>
+        <a:font script="Deva" typeface="Mangal"/>
+        <a:font script="Telu" typeface="Gautami"/>
+        <a:font script="Taml" typeface="Latha"/>
+        <a:font script="Syrc" typeface="Estrangelo Edessa"/>
+        <a:font script="Orya" typeface="Kalinga"/>
+        <a:font script="Mlym" typeface="Kartika"/>
+        <a:font script="Laoo" typeface="DokChampa"/>
+        <a:font script="Sinh" typeface="Iskoola Pota"/>
+        <a:font script="Mong" typeface="Mongolian Baiti"/>
+        <a:font script="Viet" typeface="Arial"/>
+        <a:font script="Uigh" typeface="Microsoft Uighur"/>
+      </a:minorFont>
+    </a:fontScheme>
+    <a:fmtScheme name="Office">
+      <a:fillStyleLst>
+        <a:solidFill>
+          <a:schemeClr val="phClr"/>
+        </a:solidFill>
+        <a:gradFill rotWithShape="1">
+          <a:gsLst>
+            <a:gs pos="0">
+              <a:schemeClr val="phClr">
+                <a:tint val="50000"/>
+                <a:satMod val="300000"/>
+              </a:schemeClr>
+            </a:gs>
+            <a:gs pos="35000">
+              <a:schemeClr val="phClr">
+                <a:tint val="37000"/>
+                <a:satMod val="300000"/>
+              </a:schemeClr>
+            </a:gs>
+            <a:gs pos="100000">
+              <a:schemeClr val="phClr">
+                <a:tint val="15000"/>
+                <a:satMod val="350000"/>
+              </a:schemeClr>
+            </a:gs>
+          </a:gsLst>
+          <a:lin ang="16200000" scaled="1"/>
+        </a:gradFill>
+        <a:gradFill rotWithShape="1">
+          <a:gsLst>
+            <a:gs pos="0">
+              <a:schemeClr val="phClr">
+                <a:shade val="51000"/>
+                <a:satMod val="130000"/>
+              </a:schemeClr>
+            </a:gs>
+            <a:gs pos="80000">
+              <a:schemeClr val="phClr">
+                <a:shade val="93000"/>
+                <a:satMod val="130000"/>
+              </a:schemeClr>
+            </a:gs>
+            <a:gs pos="100000">
+              <a:schemeClr val="phClr">
+                <a:shade val="94000"/>
+                <a:satMod val="135000"/>
+              </a:schemeClr>
+            </a:gs>
+          </a:gsLst>
+          <a:lin ang="16200000" scaled="0"/>
+        </a:gradFill>
+      </a:fillStyleLst>
+      <a:lnStyleLst>
+        <a:ln w="9525" cap="flat" cmpd="sng" algn="ctr">
+          <a:solidFill>
+            <a:schemeClr val="phClr">
+              <a:shade val="95000"/>
+              <a:satMod val="105000"/>
+            </a:schemeClr>
+          </a:solidFill>
+          <a:prstDash val="solid"/>
+        </a:ln>
+        <a:ln w="25400" cap="flat" cmpd="sng" algn="ctr">
+          <a:solidFill>
+            <a:schemeClr val="phClr"/>
+          </a:solidFill>
+          <a:prstDash val="solid"/>
+        </a:ln>
+        <a:ln w="38100" cap="flat" cmpd="sng" algn="ctr">
+          <a:solidFill>
+            <a:schemeClr val="phClr"/>
+          </a:solidFill>
+          <a:prstDash val="solid"/>
+        </a:ln>
+      </a:lnStyleLst>
+      <a:effectStyleLst>
+        <a:effectStyle>
+          <a:effectLst>
+            <a:outerShdw blurRad="40000" dist="20000" dir="5400000" rotWithShape="0">
+              <a:srgbClr val="000000">
+                <a:alpha val="38000"/>
+              </a:srgbClr>
+            </a:outerShdw>
+          </a:effectLst>
+        </a:effectStyle>
+        <a:effectStyle>
+          <a:effectLst>
+            <a:outerShdw blurRad="40000" dist="23000" dir="5400000" rotWithShape="0">
+              <a:srgbClr val="000000">
+                <a:alpha val="35000"/>
+              </a:srgbClr>
+            </a:outerShdw>
+          </a:effectLst>
+        </a:effectStyle>
+        <a:effectStyle>
+          <a:effectLst>
+            <a:outerShdw blurRad="40000" dist="23000" dir="5400000" rotWithShape="0">
+              <a:srgbClr val="000000">
+                <a:alpha val="35000"/>
+              </a:srgbClr>
+            </a:outerShdw>
+          </a:effectLst>
+          <a:scene3d>
+            <a:camera prst="orthographicFront">
+              <a:rot lat="0" lon="0" rev="0"/>
+            </a:camera>
+            <a:lightRig rig="threePt" dir="t">
+              <a:rot lat="0" lon="0" rev="1200000"/>
+            </a:lightRig>
+          </a:scene3d>
+          <a:sp3d>
+            <a:bevelT w="63500" h="25400"/>
+          </a:sp3d>
+        </a:effectStyle>
+      </a:effectStyleLst>
+      <a:bgFillStyleLst>
+        <a:solidFill>
+          <a:schemeClr val="phClr"/>
+        </a:solidFill>
+        <a:gradFill rotWithShape="1">
+          <a:gsLst>
+            <a:gs pos="0">
+              <a:schemeClr val="phClr">
+                <a:tint val="40000"/>
+                <a:satMod val="350000"/>
+              </a:schemeClr>
+            </a:gs>
+            <a:gs pos="40000">
+              <a:schemeClr val="phClr">
+                <a:tint val="45000"/>
+                <a:shade val="99000"/>
+                <a:satMod val="350000"/>
+              </a:schemeClr>
+            </a:gs>
+            <a:gs pos="100000">
+              <a:schemeClr val="phClr">
+                <a:shade val="20000"/>
+                <a:satMod val="255000"/>
+              </a:schemeClr>
+            </a:gs>
+          </a:gsLst>
+          <a:path path="circle">
+            <a:fillToRect l="50000" t="-80000" r="50000" b="180000"/>
+          </a:path>
+        </a:gradFill>
+        <a:gradFill rotWithShape="1">
+          <a:gsLst>
+            <a:gs pos="0">
+              <a:schemeClr val="phClr">
+                <a:tint val="80000"/>
+                <a:satMod val="300000"/>
+              </a:schemeClr>
+            </a:gs>
+            <a:gs pos="100000">
+              <a:schemeClr val="phClr">
+                <a:shade val="30000"/>
+                <a:satMod val="200000"/>
+              </a:schemeClr>
+            </a:gs>
+          </a:gsLst>
+          <a:path path="circle">
+            <a:fillToRect l="50000" t="50000" r="50000" b="50000"/>
+          </a:path>
+        </a:gradFill>
+      </a:bgFillStyleLst>
+    </a:fmtScheme>
+  </a:themeElements>
+  <a:objectDefaults/>
+  <a:extraClrSchemeLst/>
+</a:theme>
+</file>
+
 <file path=customXml/item1.xml><?xml version="1.0" encoding="utf-8"?>
+<LongProperties xmlns="http://schemas.microsoft.com/office/2006/metadata/longProperties"/>
+</file>
+
+<file path=customXml/item2.xml><?xml version="1.0" encoding="utf-8"?>
+<?mso-contentType ?>
+<FormTemplates xmlns="http://schemas.microsoft.com/sharepoint/v3/contenttype/forms">
+  <Display>DocumentLibraryForm</Display>
+  <Edit>DocumentLibraryForm</Edit>
+  <New>DocumentLibraryForm</New>
+</FormTemplates>
+</file>
+
+<file path=customXml/item3.xml><?xml version="1.0" encoding="utf-8"?>
 <ct:contentTypeSchema xmlns:ct="http://schemas.microsoft.com/office/2006/metadata/contentType" xmlns:ma="http://schemas.microsoft.com/office/2006/metadata/properties/metaAttributes" ct:_="" ma:_="" ma:contentTypeName="Document" ma:contentTypeID="0x0101000BFEB35FB51C0F42A9A471BD9DD2DD1B" ma:contentTypeVersion="1" ma:contentTypeDescription="Create a new document." ma:contentTypeScope="" ma:versionID="35a5236f1a4e3acf6a385f2c1bfe2746">
   <xsd:schema xmlns:xsd="http://www.w3.org/2001/XMLSchema" xmlns:xs="http://www.w3.org/2001/XMLSchema" xmlns:p="http://schemas.microsoft.com/office/2006/metadata/properties" xmlns:ns1="http://schemas.microsoft.com/sharepoint/v3" targetNamespace="http://schemas.microsoft.com/office/2006/metadata/properties" ma:root="true" ma:fieldsID="a447206dab0015f8b9f8924535193e8c" ns1:_="">
     <xsd:import namespace="http://schemas.microsoft.com/sharepoint/v3"/>
@@ -19473,19 +19796,6 @@
 </ct:contentTypeSchema>
 </file>
 
-<file path=customXml/item2.xml><?xml version="1.0" encoding="utf-8"?>
-<?mso-contentType ?>
-<FormTemplates xmlns="http://schemas.microsoft.com/sharepoint/v3/contenttype/forms">
-  <Display>DocumentLibraryForm</Display>
-  <Edit>DocumentLibraryForm</Edit>
-  <New>DocumentLibraryForm</New>
-</FormTemplates>
-</file>
-
-<file path=customXml/item3.xml><?xml version="1.0" encoding="utf-8"?>
-<LongProperties xmlns="http://schemas.microsoft.com/office/2006/metadata/longProperties"/>
-</file>
-
 <file path=customXml/item4.xml><?xml version="1.0" encoding="utf-8"?>
 <p:properties xmlns:p="http://schemas.microsoft.com/office/2006/metadata/properties" xmlns:xsi="http://www.w3.org/2001/XMLSchema-instance">
   <documentManagement>
@@ -19496,6 +19806,22 @@
 </file>
 
 <file path=customXml/itemProps1.xml><?xml version="1.0" encoding="utf-8"?>
+<ds:datastoreItem xmlns:ds="http://schemas.openxmlformats.org/officeDocument/2006/customXml" ds:itemID="{5593874F-BA98-4A0D-88E6-76DECBDFE515}">
+  <ds:schemaRefs>
+    <ds:schemaRef ds:uri="http://schemas.microsoft.com/office/2006/metadata/longProperties"/>
+  </ds:schemaRefs>
+</ds:datastoreItem>
+</file>
+
+<file path=customXml/itemProps2.xml><?xml version="1.0" encoding="utf-8"?>
+<ds:datastoreItem xmlns:ds="http://schemas.openxmlformats.org/officeDocument/2006/customXml" ds:itemID="{BB870582-39B3-4EE1-B4C9-D3C3087CF0F0}">
+  <ds:schemaRefs>
+    <ds:schemaRef ds:uri="http://schemas.microsoft.com/sharepoint/v3/contenttype/forms"/>
+  </ds:schemaRefs>
+</ds:datastoreItem>
+</file>
+
+<file path=customXml/itemProps3.xml><?xml version="1.0" encoding="utf-8"?>
 <ds:datastoreItem xmlns:ds="http://schemas.openxmlformats.org/officeDocument/2006/customXml" ds:itemID="{3B5FA4EA-6C34-4AED-AF36-BD45CB995C14}">
   <ds:schemaRefs>
     <ds:schemaRef ds:uri="http://schemas.microsoft.com/office/2006/metadata/contentType"/>
@@ -19513,22 +19839,6 @@
 </ds:datastoreItem>
 </file>
 
-<file path=customXml/itemProps2.xml><?xml version="1.0" encoding="utf-8"?>
-<ds:datastoreItem xmlns:ds="http://schemas.openxmlformats.org/officeDocument/2006/customXml" ds:itemID="{BB870582-39B3-4EE1-B4C9-D3C3087CF0F0}">
-  <ds:schemaRefs>
-    <ds:schemaRef ds:uri="http://schemas.microsoft.com/sharepoint/v3/contenttype/forms"/>
-  </ds:schemaRefs>
-</ds:datastoreItem>
-</file>
-
-<file path=customXml/itemProps3.xml><?xml version="1.0" encoding="utf-8"?>
-<ds:datastoreItem xmlns:ds="http://schemas.openxmlformats.org/officeDocument/2006/customXml" ds:itemID="{5593874F-BA98-4A0D-88E6-76DECBDFE515}">
-  <ds:schemaRefs>
-    <ds:schemaRef ds:uri="http://schemas.microsoft.com/office/2006/metadata/longProperties"/>
-  </ds:schemaRefs>
-</ds:datastoreItem>
-</file>
-
 <file path=customXml/itemProps4.xml><?xml version="1.0" encoding="utf-8"?>
 <ds:datastoreItem xmlns:ds="http://schemas.openxmlformats.org/officeDocument/2006/customXml" ds:itemID="{BBE466B2-E11B-4338-AFEC-553026806900}">
   <ds:schemaRefs>
